--- a/Lectures/Lecture 24/Lecture 24.pptx
+++ b/Lectures/Lecture 24/Lecture 24.pptx
@@ -225,7 +225,7 @@
           <a:p>
             <a:fld id="{467FE51A-BC06-4E6F-B1DA-B477364E598F}" type="datetimeFigureOut">
               <a:rPr lang="en-US" smtClean="0"/>
-              <a:t>3/31/2020</a:t>
+              <a:t>4/13/2021</a:t>
             </a:fld>
             <a:endParaRPr lang="en-US"/>
           </a:p>
@@ -1899,7 +1899,7 @@
           <a:p>
             <a:fld id="{11C4ABE2-2F1A-4C31-A43A-C3E7CE49CE95}" type="datetimeFigureOut">
               <a:rPr lang="en-US" smtClean="0"/>
-              <a:t>3/31/2020</a:t>
+              <a:t>4/13/2021</a:t>
             </a:fld>
             <a:endParaRPr lang="en-US"/>
           </a:p>
@@ -2097,7 +2097,7 @@
           <a:p>
             <a:fld id="{11C4ABE2-2F1A-4C31-A43A-C3E7CE49CE95}" type="datetimeFigureOut">
               <a:rPr lang="en-US" smtClean="0"/>
-              <a:t>3/31/2020</a:t>
+              <a:t>4/13/2021</a:t>
             </a:fld>
             <a:endParaRPr lang="en-US"/>
           </a:p>
@@ -2305,7 +2305,7 @@
           <a:p>
             <a:fld id="{11C4ABE2-2F1A-4C31-A43A-C3E7CE49CE95}" type="datetimeFigureOut">
               <a:rPr lang="en-US" smtClean="0"/>
-              <a:t>3/31/2020</a:t>
+              <a:t>4/13/2021</a:t>
             </a:fld>
             <a:endParaRPr lang="en-US"/>
           </a:p>
@@ -2503,7 +2503,7 @@
           <a:p>
             <a:fld id="{11C4ABE2-2F1A-4C31-A43A-C3E7CE49CE95}" type="datetimeFigureOut">
               <a:rPr lang="en-US" smtClean="0"/>
-              <a:t>3/31/2020</a:t>
+              <a:t>4/13/2021</a:t>
             </a:fld>
             <a:endParaRPr lang="en-US"/>
           </a:p>
@@ -2778,7 +2778,7 @@
           <a:p>
             <a:fld id="{11C4ABE2-2F1A-4C31-A43A-C3E7CE49CE95}" type="datetimeFigureOut">
               <a:rPr lang="en-US" smtClean="0"/>
-              <a:t>3/31/2020</a:t>
+              <a:t>4/13/2021</a:t>
             </a:fld>
             <a:endParaRPr lang="en-US"/>
           </a:p>
@@ -3043,7 +3043,7 @@
           <a:p>
             <a:fld id="{11C4ABE2-2F1A-4C31-A43A-C3E7CE49CE95}" type="datetimeFigureOut">
               <a:rPr lang="en-US" smtClean="0"/>
-              <a:t>3/31/2020</a:t>
+              <a:t>4/13/2021</a:t>
             </a:fld>
             <a:endParaRPr lang="en-US"/>
           </a:p>
@@ -3455,7 +3455,7 @@
           <a:p>
             <a:fld id="{11C4ABE2-2F1A-4C31-A43A-C3E7CE49CE95}" type="datetimeFigureOut">
               <a:rPr lang="en-US" smtClean="0"/>
-              <a:t>3/31/2020</a:t>
+              <a:t>4/13/2021</a:t>
             </a:fld>
             <a:endParaRPr lang="en-US"/>
           </a:p>
@@ -3596,7 +3596,7 @@
           <a:p>
             <a:fld id="{11C4ABE2-2F1A-4C31-A43A-C3E7CE49CE95}" type="datetimeFigureOut">
               <a:rPr lang="en-US" smtClean="0"/>
-              <a:t>3/31/2020</a:t>
+              <a:t>4/13/2021</a:t>
             </a:fld>
             <a:endParaRPr lang="en-US"/>
           </a:p>
@@ -3709,7 +3709,7 @@
           <a:p>
             <a:fld id="{11C4ABE2-2F1A-4C31-A43A-C3E7CE49CE95}" type="datetimeFigureOut">
               <a:rPr lang="en-US" smtClean="0"/>
-              <a:t>3/31/2020</a:t>
+              <a:t>4/13/2021</a:t>
             </a:fld>
             <a:endParaRPr lang="en-US"/>
           </a:p>
@@ -4020,7 +4020,7 @@
           <a:p>
             <a:fld id="{11C4ABE2-2F1A-4C31-A43A-C3E7CE49CE95}" type="datetimeFigureOut">
               <a:rPr lang="en-US" smtClean="0"/>
-              <a:t>3/31/2020</a:t>
+              <a:t>4/13/2021</a:t>
             </a:fld>
             <a:endParaRPr lang="en-US"/>
           </a:p>
@@ -4308,7 +4308,7 @@
           <a:p>
             <a:fld id="{11C4ABE2-2F1A-4C31-A43A-C3E7CE49CE95}" type="datetimeFigureOut">
               <a:rPr lang="en-US" smtClean="0"/>
-              <a:t>3/31/2020</a:t>
+              <a:t>4/13/2021</a:t>
             </a:fld>
             <a:endParaRPr lang="en-US"/>
           </a:p>
@@ -4549,7 +4549,7 @@
           <a:p>
             <a:fld id="{11C4ABE2-2F1A-4C31-A43A-C3E7CE49CE95}" type="datetimeFigureOut">
               <a:rPr lang="en-US" smtClean="0"/>
-              <a:t>3/31/2020</a:t>
+              <a:t>4/13/2021</a:t>
             </a:fld>
             <a:endParaRPr lang="en-US"/>
           </a:p>
@@ -8870,8 +8870,8 @@
           </a:prstGeom>
         </p:spPr>
       </p:pic>
-      <mc:AlternateContent xmlns:mc="http://schemas.openxmlformats.org/markup-compatibility/2006">
-        <mc:Choice xmlns:a14="http://schemas.microsoft.com/office/drawing/2010/main" Requires="a14">
+      <mc:AlternateContent xmlns:mc="http://schemas.openxmlformats.org/markup-compatibility/2006" xmlns:a14="http://schemas.microsoft.com/office/drawing/2010/main">
+        <mc:Choice Requires="a14">
           <p:sp>
             <p:nvSpPr>
               <p:cNvPr id="29" name="TextBox 28">
@@ -9290,7 +9290,7 @@
             </p:txBody>
           </p:sp>
         </mc:Choice>
-        <mc:Fallback>
+        <mc:Fallback xmlns="">
           <p:sp>
             <p:nvSpPr>
               <p:cNvPr id="29" name="TextBox 28">
@@ -23532,8 +23532,8 @@
           </a:prstGeom>
         </p:spPr>
       </p:pic>
-      <mc:AlternateContent xmlns:mc="http://schemas.openxmlformats.org/markup-compatibility/2006">
-        <mc:Choice xmlns:a14="http://schemas.microsoft.com/office/drawing/2010/main" Requires="a14">
+      <mc:AlternateContent xmlns:mc="http://schemas.openxmlformats.org/markup-compatibility/2006" xmlns:a14="http://schemas.microsoft.com/office/drawing/2010/main">
+        <mc:Choice Requires="a14">
           <p:sp>
             <p:nvSpPr>
               <p:cNvPr id="29" name="TextBox 28">
@@ -24309,7 +24309,7 @@
             </p:txBody>
           </p:sp>
         </mc:Choice>
-        <mc:Fallback>
+        <mc:Fallback xmlns="">
           <p:sp>
             <p:nvSpPr>
               <p:cNvPr id="29" name="TextBox 28">
@@ -25241,8 +25241,8 @@
           </a:prstGeom>
         </p:spPr>
       </p:pic>
-      <mc:AlternateContent xmlns:mc="http://schemas.openxmlformats.org/markup-compatibility/2006">
-        <mc:Choice xmlns:a14="http://schemas.microsoft.com/office/drawing/2010/main" Requires="a14">
+      <mc:AlternateContent xmlns:mc="http://schemas.openxmlformats.org/markup-compatibility/2006" xmlns:a14="http://schemas.microsoft.com/office/drawing/2010/main">
+        <mc:Choice Requires="a14">
           <p:sp>
             <p:nvSpPr>
               <p:cNvPr id="29" name="TextBox 28">
@@ -25526,7 +25526,7 @@
             </p:txBody>
           </p:sp>
         </mc:Choice>
-        <mc:Fallback>
+        <mc:Fallback xmlns="">
           <p:sp>
             <p:nvSpPr>
               <p:cNvPr id="29" name="TextBox 28">
